--- a/教学课件/20.第二十课 场景和安卓打包设置.pptx
+++ b/教学课件/20.第二十课 场景和安卓打包设置.pptx
@@ -19,9 +19,11 @@
     <p:sldId id="267" r:id="rId14"/>
     <p:sldId id="268" r:id="rId15"/>
     <p:sldId id="272" r:id="rId16"/>
-    <p:sldId id="274" r:id="rId17"/>
-    <p:sldId id="277" r:id="rId18"/>
-    <p:sldId id="273" r:id="rId19"/>
+    <p:sldId id="301" r:id="rId17"/>
+    <p:sldId id="274" r:id="rId18"/>
+    <p:sldId id="302" r:id="rId19"/>
+    <p:sldId id="277" r:id="rId20"/>
+    <p:sldId id="273" r:id="rId21"/>
   </p:sldIdLst>
   <p:sldSz cx="12192000" cy="6858000"/>
   <p:notesSz cx="6858000" cy="9144000"/>
@@ -3284,6 +3286,67 @@
           </a:prstGeom>
         </p:spPr>
       </p:pic>
+      <p:sp>
+        <p:nvSpPr>
+          <p:cNvPr id="2" name="文本框 1"/>
+          <p:cNvSpPr txBox="1"/>
+          <p:nvPr/>
+        </p:nvSpPr>
+        <p:spPr>
+          <a:xfrm>
+            <a:off x="372110" y="2054225"/>
+            <a:ext cx="2615565" cy="1845310"/>
+          </a:xfrm>
+          <a:prstGeom prst="rect">
+            <a:avLst/>
+          </a:prstGeom>
+          <a:noFill/>
+        </p:spPr>
+        <p:txBody>
+          <a:bodyPr wrap="square" rtlCol="0">
+            <a:spAutoFit/>
+          </a:bodyPr>
+          <a:p>
+            <a:r>
+              <a:rPr lang="zh-CN" altLang="en-US" sz="2400" b="1"/>
+              <a:t>包名的格式：</a:t>
+            </a:r>
+            <a:endParaRPr lang="zh-CN" altLang="en-US" sz="2400" b="1"/>
+          </a:p>
+          <a:p>
+            <a:endParaRPr lang="zh-CN" altLang="en-US"/>
+          </a:p>
+          <a:p>
+            <a:r>
+              <a:rPr lang="en-US" altLang="zh-CN"/>
+              <a:t>com.</a:t>
+            </a:r>
+            <a:r>
+              <a:rPr lang="zh-CN" altLang="en-US"/>
+              <a:t>公司名称</a:t>
+            </a:r>
+            <a:r>
+              <a:rPr lang="en-US" altLang="zh-CN"/>
+              <a:t>.</a:t>
+            </a:r>
+            <a:r>
+              <a:rPr lang="zh-CN" altLang="en-US"/>
+              <a:t>商品名称</a:t>
+            </a:r>
+            <a:endParaRPr lang="zh-CN" altLang="en-US"/>
+          </a:p>
+          <a:p>
+            <a:endParaRPr lang="zh-CN" altLang="en-US"/>
+          </a:p>
+          <a:p>
+            <a:r>
+              <a:rPr lang="zh-CN" altLang="en-US"/>
+              <a:t>商品名称应该以英文开头</a:t>
+            </a:r>
+            <a:endParaRPr lang="zh-CN" altLang="en-US"/>
+          </a:p>
+        </p:txBody>
+      </p:sp>
     </p:spTree>
   </p:cSld>
   <p:clrMapOvr>
@@ -3364,8 +3427,8 @@
         </p:blipFill>
         <p:spPr>
           <a:xfrm>
-            <a:off x="1029970" y="170180"/>
-            <a:ext cx="10131425" cy="6497320"/>
+            <a:off x="838200" y="435610"/>
+            <a:ext cx="10515600" cy="5483860"/>
           </a:xfrm>
           <a:prstGeom prst="rect">
             <a:avLst/>
@@ -3390,136 +3453,32 @@
         <p:nvPr/>
       </p:nvGrpSpPr>
       <p:grpSpPr/>
-      <p:sp>
-        <p:nvSpPr>
+      <p:pic>
+        <p:nvPicPr>
           <p:cNvPr id="3" name="内容占位符 2"/>
-          <p:cNvSpPr>
-            <a:spLocks noGrp="1"/>
-          </p:cNvSpPr>
+          <p:cNvPicPr>
+            <a:picLocks noChangeAspect="1"/>
+          </p:cNvPicPr>
           <p:nvPr>
             <p:ph idx="1"/>
           </p:nvPr>
-        </p:nvSpPr>
+        </p:nvPicPr>
+        <p:blipFill>
+          <a:blip r:embed="rId1"/>
+          <a:stretch>
+            <a:fillRect/>
+          </a:stretch>
+        </p:blipFill>
         <p:spPr>
           <a:xfrm>
-            <a:off x="838200" y="276860"/>
-            <a:ext cx="10515600" cy="5900420"/>
+            <a:off x="858520" y="1146810"/>
+            <a:ext cx="10474960" cy="4351655"/>
           </a:xfrm>
+          <a:prstGeom prst="rect">
+            <a:avLst/>
+          </a:prstGeom>
         </p:spPr>
-        <p:txBody>
-          <a:bodyPr/>
-          <a:p>
-            <a:pPr marL="0" indent="0" fontAlgn="auto">
-              <a:lnSpc>
-                <a:spcPct val="150000"/>
-              </a:lnSpc>
-              <a:buNone/>
-            </a:pPr>
-            <a:r>
-              <a:rPr lang="zh-CN" altLang="en-US" b="1"/>
-              <a:t>以下分别是</a:t>
-            </a:r>
-            <a:r>
-              <a:rPr lang="en-US" altLang="zh-CN" b="1"/>
-              <a:t>BuildSetting</a:t>
-            </a:r>
-            <a:r>
-              <a:rPr lang="zh-CN" altLang="en-US" b="1"/>
-              <a:t>和</a:t>
-            </a:r>
-            <a:r>
-              <a:rPr lang="en-US" altLang="zh-CN" b="1"/>
-              <a:t>PlayerSetting</a:t>
-            </a:r>
-            <a:r>
-              <a:rPr lang="zh-CN" altLang="en-US" b="1"/>
-              <a:t>的官方文档：</a:t>
-            </a:r>
-            <a:endParaRPr lang="zh-CN" altLang="en-US" b="1"/>
-          </a:p>
-          <a:p>
-            <a:pPr marL="0" indent="0" fontAlgn="auto">
-              <a:lnSpc>
-                <a:spcPct val="150000"/>
-              </a:lnSpc>
-              <a:buNone/>
-            </a:pPr>
-            <a:r>
-              <a:rPr lang="zh-CN" altLang="en-US"/>
-              <a:t>https://docs.unity3d.com/Manual/BuildSettings.html</a:t>
-            </a:r>
-            <a:endParaRPr lang="zh-CN" altLang="en-US"/>
-          </a:p>
-          <a:p>
-            <a:pPr marL="0" indent="0" fontAlgn="auto">
-              <a:lnSpc>
-                <a:spcPct val="150000"/>
-              </a:lnSpc>
-              <a:buNone/>
-            </a:pPr>
-            <a:r>
-              <a:rPr lang="zh-CN" altLang="en-US"/>
-              <a:t>https://docs.unity3d.com/Manual/class-PlayerSettings.html</a:t>
-            </a:r>
-            <a:endParaRPr lang="zh-CN" altLang="en-US"/>
-          </a:p>
-          <a:p>
-            <a:pPr marL="0" indent="0" fontAlgn="auto">
-              <a:lnSpc>
-                <a:spcPct val="150000"/>
-              </a:lnSpc>
-              <a:buNone/>
-            </a:pPr>
-            <a:endParaRPr lang="zh-CN" altLang="en-US"/>
-          </a:p>
-          <a:p>
-            <a:pPr marL="0" indent="0" fontAlgn="auto">
-              <a:lnSpc>
-                <a:spcPct val="150000"/>
-              </a:lnSpc>
-              <a:buNone/>
-            </a:pPr>
-            <a:endParaRPr lang="zh-CN" altLang="en-US"/>
-          </a:p>
-          <a:p>
-            <a:pPr marL="0" indent="0" fontAlgn="auto">
-              <a:lnSpc>
-                <a:spcPct val="150000"/>
-              </a:lnSpc>
-              <a:buNone/>
-            </a:pPr>
-            <a:r>
-              <a:rPr lang="zh-CN" altLang="en-US">
-                <a:solidFill>
-                  <a:srgbClr val="FF0000"/>
-                </a:solidFill>
-              </a:rPr>
-              <a:t>打包时一定注意工程存放的路径</a:t>
-            </a:r>
-            <a:r>
-              <a:rPr lang="zh-CN" altLang="en-US">
-                <a:solidFill>
-                  <a:srgbClr val="FF0000"/>
-                </a:solidFill>
-              </a:rPr>
-              <a:t>不要有中文</a:t>
-            </a:r>
-            <a:r>
-              <a:rPr lang="en-US" altLang="zh-CN">
-                <a:solidFill>
-                  <a:srgbClr val="FF0000"/>
-                </a:solidFill>
-              </a:rPr>
-              <a:t>!!!!</a:t>
-            </a:r>
-            <a:endParaRPr lang="en-US" altLang="zh-CN">
-              <a:solidFill>
-                <a:srgbClr val="FF0000"/>
-              </a:solidFill>
-            </a:endParaRPr>
-          </a:p>
-        </p:txBody>
-      </p:sp>
+      </p:pic>
     </p:spTree>
   </p:cSld>
   <p:clrMapOvr>
@@ -3529,6 +3488,214 @@
 </file>
 
 <file path=ppt/slides/slide17.xml><?xml version="1.0" encoding="utf-8"?>
+<p:sld xmlns:a="http://schemas.openxmlformats.org/drawingml/2006/main" xmlns:r="http://schemas.openxmlformats.org/officeDocument/2006/relationships" xmlns:p="http://schemas.openxmlformats.org/presentationml/2006/main">
+  <p:cSld>
+    <p:spTree>
+      <p:nvGrpSpPr>
+        <p:cNvPr id="1" name=""/>
+        <p:cNvGrpSpPr/>
+        <p:nvPr/>
+      </p:nvGrpSpPr>
+      <p:grpSpPr/>
+      <p:pic>
+        <p:nvPicPr>
+          <p:cNvPr id="4" name="内容占位符 3"/>
+          <p:cNvPicPr>
+            <a:picLocks noChangeAspect="1"/>
+          </p:cNvPicPr>
+          <p:nvPr>
+            <p:ph idx="1"/>
+          </p:nvPr>
+        </p:nvPicPr>
+        <p:blipFill>
+          <a:blip r:embed="rId1"/>
+          <a:stretch>
+            <a:fillRect/>
+          </a:stretch>
+        </p:blipFill>
+        <p:spPr>
+          <a:xfrm>
+            <a:off x="2407285" y="1252855"/>
+            <a:ext cx="7377430" cy="4351655"/>
+          </a:xfrm>
+          <a:prstGeom prst="rect">
+            <a:avLst/>
+          </a:prstGeom>
+        </p:spPr>
+      </p:pic>
+    </p:spTree>
+  </p:cSld>
+  <p:clrMapOvr>
+    <a:masterClrMapping/>
+  </p:clrMapOvr>
+</p:sld>
+</file>
+
+<file path=ppt/slides/slide18.xml><?xml version="1.0" encoding="utf-8"?>
+<p:sld xmlns:a="http://schemas.openxmlformats.org/drawingml/2006/main" xmlns:r="http://schemas.openxmlformats.org/officeDocument/2006/relationships" xmlns:p="http://schemas.openxmlformats.org/presentationml/2006/main">
+  <p:cSld>
+    <p:spTree>
+      <p:nvGrpSpPr>
+        <p:cNvPr id="1" name=""/>
+        <p:cNvGrpSpPr/>
+        <p:nvPr/>
+      </p:nvGrpSpPr>
+      <p:grpSpPr/>
+      <p:sp>
+        <p:nvSpPr>
+          <p:cNvPr id="3" name="内容占位符 2"/>
+          <p:cNvSpPr>
+            <a:spLocks noGrp="1"/>
+          </p:cNvSpPr>
+          <p:nvPr>
+            <p:ph idx="1"/>
+          </p:nvPr>
+        </p:nvSpPr>
+        <p:spPr>
+          <a:xfrm>
+            <a:off x="838200" y="276860"/>
+            <a:ext cx="10515600" cy="5900420"/>
+          </a:xfrm>
+        </p:spPr>
+        <p:txBody>
+          <a:bodyPr/>
+          <a:p>
+            <a:pPr marL="0" indent="0" fontAlgn="auto">
+              <a:lnSpc>
+                <a:spcPct val="150000"/>
+              </a:lnSpc>
+              <a:buNone/>
+            </a:pPr>
+            <a:r>
+              <a:rPr lang="zh-CN" altLang="en-US" b="1"/>
+              <a:t>以下分别是</a:t>
+            </a:r>
+            <a:r>
+              <a:rPr lang="en-US" altLang="zh-CN" b="1"/>
+              <a:t>BuildSetting</a:t>
+            </a:r>
+            <a:r>
+              <a:rPr lang="zh-CN" altLang="en-US" b="1"/>
+              <a:t>和</a:t>
+            </a:r>
+            <a:r>
+              <a:rPr lang="en-US" altLang="zh-CN" b="1"/>
+              <a:t>PlayerSetting</a:t>
+            </a:r>
+            <a:r>
+              <a:rPr lang="zh-CN" altLang="en-US" b="1"/>
+              <a:t>的官方文档：</a:t>
+            </a:r>
+            <a:endParaRPr lang="zh-CN" altLang="en-US" b="1"/>
+          </a:p>
+          <a:p>
+            <a:pPr marL="0" indent="0" fontAlgn="auto">
+              <a:lnSpc>
+                <a:spcPct val="150000"/>
+              </a:lnSpc>
+              <a:buNone/>
+            </a:pPr>
+            <a:r>
+              <a:rPr lang="zh-CN" altLang="en-US"/>
+              <a:t>https://docs.unity3d.com/Manual/BuildSettings.html</a:t>
+            </a:r>
+            <a:endParaRPr lang="zh-CN" altLang="en-US"/>
+          </a:p>
+          <a:p>
+            <a:pPr marL="0" indent="0" fontAlgn="auto">
+              <a:lnSpc>
+                <a:spcPct val="150000"/>
+              </a:lnSpc>
+              <a:buNone/>
+            </a:pPr>
+            <a:r>
+              <a:rPr lang="zh-CN" altLang="en-US"/>
+              <a:t>https://docs.unity3d.com/Manual/class-PlayerSettings.html</a:t>
+            </a:r>
+            <a:endParaRPr lang="zh-CN" altLang="en-US"/>
+          </a:p>
+          <a:p>
+            <a:pPr marL="0" indent="0" fontAlgn="auto">
+              <a:lnSpc>
+                <a:spcPct val="150000"/>
+              </a:lnSpc>
+              <a:buNone/>
+            </a:pPr>
+            <a:endParaRPr lang="zh-CN" altLang="en-US"/>
+          </a:p>
+          <a:p>
+            <a:pPr marL="0" indent="0" fontAlgn="auto">
+              <a:lnSpc>
+                <a:spcPct val="150000"/>
+              </a:lnSpc>
+              <a:buNone/>
+            </a:pPr>
+            <a:endParaRPr lang="zh-CN" altLang="en-US"/>
+          </a:p>
+          <a:p>
+            <a:pPr marL="0" indent="0" fontAlgn="auto">
+              <a:lnSpc>
+                <a:spcPct val="150000"/>
+              </a:lnSpc>
+              <a:buNone/>
+            </a:pPr>
+            <a:r>
+              <a:rPr lang="zh-CN" altLang="en-US">
+                <a:solidFill>
+                  <a:srgbClr val="FF0000"/>
+                </a:solidFill>
+              </a:rPr>
+              <a:t>打包时一定注意</a:t>
+            </a:r>
+            <a:r>
+              <a:rPr lang="zh-CN" altLang="en-US" b="1">
+                <a:solidFill>
+                  <a:srgbClr val="FF0000"/>
+                </a:solidFill>
+              </a:rPr>
+              <a:t>工程</a:t>
+            </a:r>
+            <a:r>
+              <a:rPr lang="zh-CN" altLang="en-US">
+                <a:solidFill>
+                  <a:srgbClr val="FF0000"/>
+                </a:solidFill>
+              </a:rPr>
+              <a:t>存放的路径不要有中文</a:t>
+            </a:r>
+            <a:r>
+              <a:rPr lang="en-US" altLang="zh-CN">
+                <a:solidFill>
+                  <a:srgbClr val="FF0000"/>
+                </a:solidFill>
+              </a:rPr>
+              <a:t>!!!!</a:t>
+            </a:r>
+            <a:r>
+              <a:rPr lang="zh-CN" altLang="en-US">
+                <a:solidFill>
+                  <a:srgbClr val="FF0000"/>
+                </a:solidFill>
+              </a:rPr>
+              <a:t>而打包的包体路径不受影响！</a:t>
+            </a:r>
+            <a:endParaRPr lang="zh-CN" altLang="en-US">
+              <a:solidFill>
+                <a:srgbClr val="FF0000"/>
+              </a:solidFill>
+            </a:endParaRPr>
+          </a:p>
+        </p:txBody>
+      </p:sp>
+    </p:spTree>
+  </p:cSld>
+  <p:clrMapOvr>
+    <a:masterClrMapping/>
+  </p:clrMapOvr>
+</p:sld>
+</file>
+
+<file path=ppt/slides/slide19.xml><?xml version="1.0" encoding="utf-8"?>
 <p:sld xmlns:a="http://schemas.openxmlformats.org/drawingml/2006/main" xmlns:r="http://schemas.openxmlformats.org/officeDocument/2006/relationships" xmlns:p="http://schemas.openxmlformats.org/presentationml/2006/main">
   <p:cSld>
     <p:spTree>
@@ -5320,8 +5487,8 @@
         </p:nvSpPr>
         <p:spPr>
           <a:xfrm>
-            <a:off x="914360" y="3045258"/>
-            <a:ext cx="4632985" cy="2158999"/>
+            <a:off x="195580" y="4467225"/>
+            <a:ext cx="11634470" cy="2159000"/>
           </a:xfrm>
           <a:prstGeom prst="rect">
             <a:avLst/>
@@ -5493,6 +5660,103 @@
               <a:cs typeface="微软雅黑" panose="020B0503020204020204" charset="-122"/>
             </a:endParaRPr>
           </a:p>
+          <a:p>
+            <a:pPr marL="285750" lvl="0" indent="-285750" algn="l" fontAlgn="ctr">
+              <a:lnSpc>
+                <a:spcPct val="130000"/>
+              </a:lnSpc>
+              <a:spcBef>
+                <a:spcPts val="1000"/>
+              </a:spcBef>
+              <a:spcAft>
+                <a:spcPts val="0"/>
+              </a:spcAft>
+              <a:buSzPct val="100000"/>
+              <a:buFont typeface="Wingdings" panose="05000000000000000000" charset="0"/>
+              <a:buChar char="l"/>
+            </a:pPr>
+            <a:r>
+              <a:rPr lang="zh-CN" altLang="en-US" sz="2000" spc="100">
+                <a:ln w="3175">
+                  <a:noFill/>
+                  <a:prstDash val="dash"/>
+                </a:ln>
+                <a:solidFill>
+                  <a:schemeClr val="dk1">
+                    <a:lumMod val="75000"/>
+                    <a:lumOff val="25000"/>
+                  </a:schemeClr>
+                </a:solidFill>
+                <a:latin typeface="微软雅黑" panose="020B0503020204020204" charset="-122"/>
+                <a:ea typeface="微软雅黑" panose="020B0503020204020204" charset="-122"/>
+                <a:cs typeface="微软雅黑" panose="020B0503020204020204" charset="-122"/>
+              </a:rPr>
+              <a:t>安装路径：</a:t>
+            </a:r>
+            <a:endParaRPr lang="zh-CN" altLang="en-US" sz="2000" spc="100">
+              <a:ln w="3175">
+                <a:noFill/>
+                <a:prstDash val="dash"/>
+              </a:ln>
+              <a:solidFill>
+                <a:schemeClr val="dk1">
+                  <a:lumMod val="75000"/>
+                  <a:lumOff val="25000"/>
+                </a:schemeClr>
+              </a:solidFill>
+              <a:latin typeface="微软雅黑" panose="020B0503020204020204" charset="-122"/>
+              <a:ea typeface="微软雅黑" panose="020B0503020204020204" charset="-122"/>
+              <a:cs typeface="微软雅黑" panose="020B0503020204020204" charset="-122"/>
+            </a:endParaRPr>
+          </a:p>
+          <a:p>
+            <a:pPr lvl="0" indent="0" algn="l" fontAlgn="ctr">
+              <a:lnSpc>
+                <a:spcPct val="130000"/>
+              </a:lnSpc>
+              <a:spcBef>
+                <a:spcPts val="1000"/>
+              </a:spcBef>
+              <a:spcAft>
+                <a:spcPts val="0"/>
+              </a:spcAft>
+              <a:buSzPct val="100000"/>
+              <a:buFont typeface="Wingdings" panose="05000000000000000000" charset="0"/>
+            </a:pPr>
+            <a:r>
+              <a:rPr lang="zh-CN" altLang="en-US" sz="2000" b="1" spc="100">
+                <a:ln w="3175">
+                  <a:noFill/>
+                  <a:prstDash val="dash"/>
+                </a:ln>
+                <a:solidFill>
+                  <a:schemeClr val="dk1">
+                    <a:lumMod val="75000"/>
+                    <a:lumOff val="25000"/>
+                  </a:schemeClr>
+                </a:solidFill>
+                <a:latin typeface="微软雅黑" panose="020B0503020204020204" charset="-122"/>
+                <a:ea typeface="微软雅黑" panose="020B0503020204020204" charset="-122"/>
+                <a:cs typeface="微软雅黑" panose="020B0503020204020204" charset="-122"/>
+              </a:rPr>
+              <a:t>C:\ProgramFiles\Unity\Editor\Data\PlaybackEngines\AndroidPlayer</a:t>
+            </a:r>
+            <a:endParaRPr lang="zh-CN" altLang="en-US" sz="2000" b="1" spc="100">
+              <a:ln w="3175">
+                <a:noFill/>
+                <a:prstDash val="dash"/>
+              </a:ln>
+              <a:solidFill>
+                <a:schemeClr val="dk1">
+                  <a:lumMod val="75000"/>
+                  <a:lumOff val="25000"/>
+                </a:schemeClr>
+              </a:solidFill>
+              <a:latin typeface="微软雅黑" panose="020B0503020204020204" charset="-122"/>
+              <a:ea typeface="微软雅黑" panose="020B0503020204020204" charset="-122"/>
+              <a:cs typeface="微软雅黑" panose="020B0503020204020204" charset="-122"/>
+            </a:endParaRPr>
+          </a:p>
         </p:txBody>
       </p:sp>
       <p:pic>
@@ -5516,7 +5780,7 @@
         </p:blipFill>
         <p:spPr>
           <a:xfrm>
-            <a:off x="6309361" y="1371611"/>
+            <a:off x="6918961" y="76211"/>
             <a:ext cx="4968278" cy="3962425"/>
           </a:xfrm>
           <a:custGeom>
@@ -6363,7 +6627,37 @@
                 <a:ea typeface="微软雅黑" panose="020B0503020204020204" charset="-122"/>
                 <a:cs typeface="微软雅黑" panose="020B0503020204020204" charset="-122"/>
               </a:rPr>
-              <a:t>将需要打包的场景拖入场景列表。若场景列表没有任何场景，将无法进行打包。拖入后，</a:t>
+              <a:t>将需要打包的场景拖入场景列表。若场景列表没有任何场景，</a:t>
+            </a:r>
+            <a:r>
+              <a:rPr lang="zh-CN" altLang="en-US" sz="1800" b="1" spc="200">
+                <a:ln w="3175">
+                  <a:noFill/>
+                  <a:prstDash val="dash"/>
+                </a:ln>
+                <a:solidFill>
+                  <a:srgbClr val="404040"/>
+                </a:solidFill>
+                <a:latin typeface="微软雅黑" panose="020B0503020204020204" charset="-122"/>
+                <a:ea typeface="微软雅黑" panose="020B0503020204020204" charset="-122"/>
+                <a:cs typeface="微软雅黑" panose="020B0503020204020204" charset="-122"/>
+              </a:rPr>
+              <a:t>将无法进行打包</a:t>
+            </a:r>
+            <a:r>
+              <a:rPr lang="zh-CN" altLang="en-US" sz="1800" spc="200">
+                <a:ln w="3175">
+                  <a:noFill/>
+                  <a:prstDash val="dash"/>
+                </a:ln>
+                <a:solidFill>
+                  <a:srgbClr val="404040"/>
+                </a:solidFill>
+                <a:latin typeface="微软雅黑" panose="020B0503020204020204" charset="-122"/>
+                <a:ea typeface="微软雅黑" panose="020B0503020204020204" charset="-122"/>
+                <a:cs typeface="微软雅黑" panose="020B0503020204020204" charset="-122"/>
+              </a:rPr>
+              <a:t>。拖入后，</a:t>
             </a:r>
             <a:r>
               <a:rPr altLang="zh-CN" sz="1800" spc="200">
@@ -6423,7 +6717,37 @@
                 <a:ea typeface="微软雅黑" panose="020B0503020204020204" charset="-122"/>
                 <a:cs typeface="微软雅黑" panose="020B0503020204020204" charset="-122"/>
               </a:rPr>
-              <a:t>，务必确保游戏的入口场景在第一位，可以通过</a:t>
+              <a:t>，务必确保游戏的</a:t>
+            </a:r>
+            <a:r>
+              <a:rPr lang="zh-CN" altLang="en-US" sz="1800" b="1" spc="200">
+                <a:ln w="3175">
+                  <a:noFill/>
+                  <a:prstDash val="dash"/>
+                </a:ln>
+                <a:solidFill>
+                  <a:srgbClr val="404040"/>
+                </a:solidFill>
+                <a:latin typeface="微软雅黑" panose="020B0503020204020204" charset="-122"/>
+                <a:ea typeface="微软雅黑" panose="020B0503020204020204" charset="-122"/>
+                <a:cs typeface="微软雅黑" panose="020B0503020204020204" charset="-122"/>
+              </a:rPr>
+              <a:t>入口场景在第一位</a:t>
+            </a:r>
+            <a:r>
+              <a:rPr lang="zh-CN" altLang="en-US" sz="1800" spc="200">
+                <a:ln w="3175">
+                  <a:noFill/>
+                  <a:prstDash val="dash"/>
+                </a:ln>
+                <a:solidFill>
+                  <a:srgbClr val="404040"/>
+                </a:solidFill>
+                <a:latin typeface="微软雅黑" panose="020B0503020204020204" charset="-122"/>
+                <a:ea typeface="微软雅黑" panose="020B0503020204020204" charset="-122"/>
+                <a:cs typeface="微软雅黑" panose="020B0503020204020204" charset="-122"/>
+              </a:rPr>
+              <a:t>，可以通过</a:t>
             </a:r>
             <a:r>
               <a:rPr lang="zh-CN" altLang="en-US" sz="1800" spc="200">

--- a/教学课件/20.第二十课 场景和安卓打包设置.pptx
+++ b/教学课件/20.第二十课 场景和安卓打包设置.pptx
@@ -18,8 +18,8 @@
     <p:sldId id="266" r:id="rId13"/>
     <p:sldId id="267" r:id="rId14"/>
     <p:sldId id="268" r:id="rId15"/>
-    <p:sldId id="272" r:id="rId16"/>
-    <p:sldId id="301" r:id="rId17"/>
+    <p:sldId id="301" r:id="rId16"/>
+    <p:sldId id="272" r:id="rId17"/>
     <p:sldId id="274" r:id="rId18"/>
     <p:sldId id="302" r:id="rId19"/>
     <p:sldId id="277" r:id="rId20"/>
@@ -3099,8 +3099,8 @@
               <a:buNone/>
             </a:pPr>
             <a:r>
-              <a:rPr lang="zh-CN" altLang="en-US" sz="3200" b="1"/>
-              <a:t>发布设置</a:t>
+              <a:rPr lang="en-US" altLang="zh-CN" sz="3200" b="1"/>
+              <a:t>BuildSetting</a:t>
             </a:r>
             <a:endParaRPr lang="zh-CN" altLang="en-US" sz="3200" b="1"/>
           </a:p>
@@ -3182,7 +3182,7 @@
         </p:blipFill>
         <p:spPr>
           <a:xfrm>
-            <a:off x="2179320" y="187960"/>
+            <a:off x="2884805" y="187325"/>
             <a:ext cx="8204200" cy="6482715"/>
           </a:xfrm>
           <a:prstGeom prst="rect">
@@ -3190,6 +3190,47 @@
           </a:prstGeom>
         </p:spPr>
       </p:pic>
+      <p:sp>
+        <p:nvSpPr>
+          <p:cNvPr id="3" name="文本框 2"/>
+          <p:cNvSpPr txBox="1"/>
+          <p:nvPr/>
+        </p:nvSpPr>
+        <p:spPr>
+          <a:xfrm>
+            <a:off x="128905" y="218440"/>
+            <a:ext cx="2447290" cy="1076325"/>
+          </a:xfrm>
+          <a:prstGeom prst="rect">
+            <a:avLst/>
+          </a:prstGeom>
+          <a:noFill/>
+        </p:spPr>
+        <p:txBody>
+          <a:bodyPr wrap="square" rtlCol="0">
+            <a:spAutoFit/>
+          </a:bodyPr>
+          <a:p>
+            <a:r>
+              <a:rPr lang="zh-CN" altLang="en-US" sz="3200" b="1"/>
+              <a:t>对应平台选择</a:t>
+            </a:r>
+            <a:r>
+              <a:rPr lang="en-US" altLang="zh-CN" sz="3200" b="1"/>
+              <a:t>;</a:t>
+            </a:r>
+            <a:r>
+              <a:rPr lang="zh-CN" altLang="en-US" sz="3200" b="1"/>
+              <a:t>默认设置</a:t>
+            </a:r>
+            <a:r>
+              <a:rPr lang="en-US" altLang="zh-CN" sz="3200" b="1"/>
+              <a:t>.</a:t>
+            </a:r>
+            <a:endParaRPr lang="en-US" altLang="zh-CN" sz="3200" b="1"/>
+          </a:p>
+        </p:txBody>
+      </p:sp>
     </p:spTree>
   </p:cSld>
   <p:clrMapOvr>
@@ -3230,8 +3271,12 @@
           </a:bodyPr>
           <a:p>
             <a:r>
+              <a:rPr lang="zh-CN" altLang="en-US" b="1"/>
+              <a:t>颜色空间：</a:t>
+            </a:r>
+            <a:r>
               <a:rPr lang="zh-CN" altLang="en-US"/>
-              <a:t>颜色空间：大多数情况，在移动端我们选择</a:t>
+              <a:t>大多数情况，在移动端我们选择</a:t>
             </a:r>
             <a:r>
               <a:rPr lang="en-US" altLang="zh-CN"/>
@@ -3343,7 +3388,11 @@
               <a:rPr lang="zh-CN" altLang="en-US"/>
               <a:t>商品名称应该以英文开头</a:t>
             </a:r>
-            <a:endParaRPr lang="zh-CN" altLang="en-US"/>
+            <a:r>
+              <a:rPr lang="en-US" altLang="zh-CN"/>
+              <a:t>.</a:t>
+            </a:r>
+            <a:endParaRPr lang="en-US" altLang="zh-CN"/>
           </a:p>
         </p:txBody>
       </p:sp>
@@ -3383,14 +3432,47 @@
         </p:blipFill>
         <p:spPr>
           <a:xfrm>
-            <a:off x="1228090" y="1056640"/>
-            <a:ext cx="9734550" cy="4724400"/>
+            <a:off x="1676400" y="1374140"/>
+            <a:ext cx="10515600" cy="5483860"/>
           </a:xfrm>
           <a:prstGeom prst="rect">
             <a:avLst/>
           </a:prstGeom>
         </p:spPr>
       </p:pic>
+      <p:sp>
+        <p:nvSpPr>
+          <p:cNvPr id="2" name="文本框 1"/>
+          <p:cNvSpPr txBox="1"/>
+          <p:nvPr/>
+        </p:nvSpPr>
+        <p:spPr>
+          <a:xfrm>
+            <a:off x="0" y="374015"/>
+            <a:ext cx="4951095" cy="583565"/>
+          </a:xfrm>
+          <a:prstGeom prst="rect">
+            <a:avLst/>
+          </a:prstGeom>
+          <a:noFill/>
+        </p:spPr>
+        <p:txBody>
+          <a:bodyPr wrap="square" rtlCol="0">
+            <a:spAutoFit/>
+          </a:bodyPr>
+          <a:p>
+            <a:r>
+              <a:rPr lang="zh-CN" altLang="en-US" sz="3200" b="1"/>
+              <a:t>动态</a:t>
+            </a:r>
+            <a:r>
+              <a:rPr lang="zh-CN" altLang="en-US" sz="3200" b="1"/>
+              <a:t>闪屏设置</a:t>
+            </a:r>
+            <a:endParaRPr lang="zh-CN" altLang="en-US" sz="3200" b="1"/>
+          </a:p>
+        </p:txBody>
+      </p:sp>
     </p:spTree>
   </p:cSld>
   <p:clrMapOvr>
@@ -3427,14 +3509,43 @@
         </p:blipFill>
         <p:spPr>
           <a:xfrm>
-            <a:off x="838200" y="435610"/>
-            <a:ext cx="10515600" cy="5483860"/>
+            <a:off x="2457450" y="2133600"/>
+            <a:ext cx="9734550" cy="4724400"/>
           </a:xfrm>
           <a:prstGeom prst="rect">
             <a:avLst/>
           </a:prstGeom>
         </p:spPr>
       </p:pic>
+      <p:sp>
+        <p:nvSpPr>
+          <p:cNvPr id="2" name="文本框 1"/>
+          <p:cNvSpPr txBox="1"/>
+          <p:nvPr/>
+        </p:nvSpPr>
+        <p:spPr>
+          <a:xfrm>
+            <a:off x="85725" y="492125"/>
+            <a:ext cx="4750435" cy="583565"/>
+          </a:xfrm>
+          <a:prstGeom prst="rect">
+            <a:avLst/>
+          </a:prstGeom>
+          <a:noFill/>
+        </p:spPr>
+        <p:txBody>
+          <a:bodyPr wrap="square" rtlCol="0">
+            <a:spAutoFit/>
+          </a:bodyPr>
+          <a:p>
+            <a:r>
+              <a:rPr lang="zh-CN" altLang="en-US" sz="3200" b="1"/>
+              <a:t>静态闪屏设置</a:t>
+            </a:r>
+            <a:endParaRPr lang="zh-CN" altLang="en-US" sz="3200" b="1"/>
+          </a:p>
+        </p:txBody>
+      </p:sp>
     </p:spTree>
   </p:cSld>
   <p:clrMapOvr>
@@ -3471,7 +3582,7 @@
         </p:blipFill>
         <p:spPr>
           <a:xfrm>
-            <a:off x="858520" y="1146810"/>
+            <a:off x="1717040" y="2506345"/>
             <a:ext cx="10474960" cy="4351655"/>
           </a:xfrm>
           <a:prstGeom prst="rect">
@@ -3479,6 +3590,57 @@
           </a:prstGeom>
         </p:spPr>
       </p:pic>
+      <p:sp>
+        <p:nvSpPr>
+          <p:cNvPr id="2" name="文本框 1"/>
+          <p:cNvSpPr txBox="1"/>
+          <p:nvPr/>
+        </p:nvSpPr>
+        <p:spPr>
+          <a:xfrm>
+            <a:off x="100330" y="520700"/>
+            <a:ext cx="5973445" cy="583565"/>
+          </a:xfrm>
+          <a:prstGeom prst="rect">
+            <a:avLst/>
+          </a:prstGeom>
+          <a:noFill/>
+        </p:spPr>
+        <p:txBody>
+          <a:bodyPr wrap="square" rtlCol="0">
+            <a:spAutoFit/>
+          </a:bodyPr>
+          <a:p>
+            <a:r>
+              <a:rPr lang="zh-CN" altLang="en-US" sz="3200" b="1">
+                <a:cs typeface="+mn-lt"/>
+              </a:rPr>
+              <a:t>发布设置</a:t>
+            </a:r>
+            <a:r>
+              <a:rPr lang="en-US" altLang="zh-CN" sz="3200" b="1">
+                <a:cs typeface="+mn-lt"/>
+              </a:rPr>
+              <a:t>: </a:t>
+            </a:r>
+            <a:r>
+              <a:rPr lang="zh-CN" altLang="en-US" sz="3200" b="1">
+                <a:cs typeface="+mn-lt"/>
+              </a:rPr>
+              <a:t>创建</a:t>
+            </a:r>
+            <a:r>
+              <a:rPr lang="en-US" altLang="zh-CN" sz="3200" b="1">
+                <a:cs typeface="+mn-lt"/>
+              </a:rPr>
+              <a:t>keystroe</a:t>
+            </a:r>
+            <a:endParaRPr lang="en-US" altLang="zh-CN" sz="3200" b="1">
+              <a:cs typeface="+mn-lt"/>
+            </a:endParaRPr>
+          </a:p>
+        </p:txBody>
+      </p:sp>
     </p:spTree>
   </p:cSld>
   <p:clrMapOvr>
@@ -3523,6 +3685,35 @@
           </a:prstGeom>
         </p:spPr>
       </p:pic>
+      <p:sp>
+        <p:nvSpPr>
+          <p:cNvPr id="2" name="文本框 1"/>
+          <p:cNvSpPr txBox="1"/>
+          <p:nvPr/>
+        </p:nvSpPr>
+        <p:spPr>
+          <a:xfrm>
+            <a:off x="57150" y="247015"/>
+            <a:ext cx="3771265" cy="583565"/>
+          </a:xfrm>
+          <a:prstGeom prst="rect">
+            <a:avLst/>
+          </a:prstGeom>
+          <a:noFill/>
+        </p:spPr>
+        <p:txBody>
+          <a:bodyPr wrap="square" rtlCol="0">
+            <a:spAutoFit/>
+          </a:bodyPr>
+          <a:p>
+            <a:r>
+              <a:rPr lang="zh-CN" altLang="en-US" sz="3200" b="1"/>
+              <a:t>自定义宏</a:t>
+            </a:r>
+            <a:endParaRPr lang="zh-CN" altLang="en-US" sz="3200" b="1"/>
+          </a:p>
+        </p:txBody>
+      </p:sp>
     </p:spTree>
   </p:cSld>
   <p:clrMapOvr>
